--- a/Viblo.pptx
+++ b/Viblo.pptx
@@ -8,6 +8,7 @@
     <p:sldId id="256" r:id="rId2"/>
     <p:sldId id="257" r:id="rId3"/>
     <p:sldId id="258" r:id="rId4"/>
+    <p:sldId id="259" r:id="rId5"/>
   </p:sldIdLst>
   <p:sldSz cx="12192000" cy="6858000"/>
   <p:notesSz cx="6858000" cy="9144000"/>
@@ -245,7 +246,7 @@
           <a:p>
             <a:fld id="{2D27F11A-03E7-4016-A9CD-3059474722D4}" type="datetimeFigureOut">
               <a:rPr lang="en-US" smtClean="0"/>
-              <a:t>8/29/2021</a:t>
+              <a:t>11/7/2021</a:t>
             </a:fld>
             <a:endParaRPr lang="en-US"/>
           </a:p>
@@ -415,7 +416,7 @@
           <a:p>
             <a:fld id="{2D27F11A-03E7-4016-A9CD-3059474722D4}" type="datetimeFigureOut">
               <a:rPr lang="en-US" smtClean="0"/>
-              <a:t>8/29/2021</a:t>
+              <a:t>11/7/2021</a:t>
             </a:fld>
             <a:endParaRPr lang="en-US"/>
           </a:p>
@@ -595,7 +596,7 @@
           <a:p>
             <a:fld id="{2D27F11A-03E7-4016-A9CD-3059474722D4}" type="datetimeFigureOut">
               <a:rPr lang="en-US" smtClean="0"/>
-              <a:t>8/29/2021</a:t>
+              <a:t>11/7/2021</a:t>
             </a:fld>
             <a:endParaRPr lang="en-US"/>
           </a:p>
@@ -765,7 +766,7 @@
           <a:p>
             <a:fld id="{2D27F11A-03E7-4016-A9CD-3059474722D4}" type="datetimeFigureOut">
               <a:rPr lang="en-US" smtClean="0"/>
-              <a:t>8/29/2021</a:t>
+              <a:t>11/7/2021</a:t>
             </a:fld>
             <a:endParaRPr lang="en-US"/>
           </a:p>
@@ -1011,7 +1012,7 @@
           <a:p>
             <a:fld id="{2D27F11A-03E7-4016-A9CD-3059474722D4}" type="datetimeFigureOut">
               <a:rPr lang="en-US" smtClean="0"/>
-              <a:t>8/29/2021</a:t>
+              <a:t>11/7/2021</a:t>
             </a:fld>
             <a:endParaRPr lang="en-US"/>
           </a:p>
@@ -1243,7 +1244,7 @@
           <a:p>
             <a:fld id="{2D27F11A-03E7-4016-A9CD-3059474722D4}" type="datetimeFigureOut">
               <a:rPr lang="en-US" smtClean="0"/>
-              <a:t>8/29/2021</a:t>
+              <a:t>11/7/2021</a:t>
             </a:fld>
             <a:endParaRPr lang="en-US"/>
           </a:p>
@@ -1610,7 +1611,7 @@
           <a:p>
             <a:fld id="{2D27F11A-03E7-4016-A9CD-3059474722D4}" type="datetimeFigureOut">
               <a:rPr lang="en-US" smtClean="0"/>
-              <a:t>8/29/2021</a:t>
+              <a:t>11/7/2021</a:t>
             </a:fld>
             <a:endParaRPr lang="en-US"/>
           </a:p>
@@ -1728,7 +1729,7 @@
           <a:p>
             <a:fld id="{2D27F11A-03E7-4016-A9CD-3059474722D4}" type="datetimeFigureOut">
               <a:rPr lang="en-US" smtClean="0"/>
-              <a:t>8/29/2021</a:t>
+              <a:t>11/7/2021</a:t>
             </a:fld>
             <a:endParaRPr lang="en-US"/>
           </a:p>
@@ -1823,7 +1824,7 @@
           <a:p>
             <a:fld id="{2D27F11A-03E7-4016-A9CD-3059474722D4}" type="datetimeFigureOut">
               <a:rPr lang="en-US" smtClean="0"/>
-              <a:t>8/29/2021</a:t>
+              <a:t>11/7/2021</a:t>
             </a:fld>
             <a:endParaRPr lang="en-US"/>
           </a:p>
@@ -2100,7 +2101,7 @@
           <a:p>
             <a:fld id="{2D27F11A-03E7-4016-A9CD-3059474722D4}" type="datetimeFigureOut">
               <a:rPr lang="en-US" smtClean="0"/>
-              <a:t>8/29/2021</a:t>
+              <a:t>11/7/2021</a:t>
             </a:fld>
             <a:endParaRPr lang="en-US"/>
           </a:p>
@@ -2353,7 +2354,7 @@
           <a:p>
             <a:fld id="{2D27F11A-03E7-4016-A9CD-3059474722D4}" type="datetimeFigureOut">
               <a:rPr lang="en-US" smtClean="0"/>
-              <a:t>8/29/2021</a:t>
+              <a:t>11/7/2021</a:t>
             </a:fld>
             <a:endParaRPr lang="en-US"/>
           </a:p>
@@ -2566,7 +2567,7 @@
           <a:p>
             <a:fld id="{2D27F11A-03E7-4016-A9CD-3059474722D4}" type="datetimeFigureOut">
               <a:rPr lang="en-US" smtClean="0"/>
-              <a:t>8/29/2021</a:t>
+              <a:t>11/7/2021</a:t>
             </a:fld>
             <a:endParaRPr lang="en-US"/>
           </a:p>
@@ -4463,6 +4464,233 @@
 </p:sld>
 </file>
 
+<file path=ppt/slides/slide4.xml><?xml version="1.0" encoding="utf-8"?>
+<p:sld xmlns:a="http://schemas.openxmlformats.org/drawingml/2006/main" xmlns:r="http://schemas.openxmlformats.org/officeDocument/2006/relationships" xmlns:p="http://schemas.openxmlformats.org/presentationml/2006/main">
+  <p:cSld>
+    <p:spTree>
+      <p:nvGrpSpPr>
+        <p:cNvPr id="1" name=""/>
+        <p:cNvGrpSpPr/>
+        <p:nvPr/>
+      </p:nvGrpSpPr>
+      <p:grpSpPr>
+        <a:xfrm>
+          <a:off x="0" y="0"/>
+          <a:ext cx="0" cy="0"/>
+          <a:chOff x="0" y="0"/>
+          <a:chExt cx="0" cy="0"/>
+        </a:xfrm>
+      </p:grpSpPr>
+      <p:pic>
+        <p:nvPicPr>
+          <p:cNvPr id="8" name="Picture 7"/>
+          <p:cNvPicPr>
+            <a:picLocks noChangeAspect="1"/>
+          </p:cNvPicPr>
+          <p:nvPr/>
+        </p:nvPicPr>
+        <p:blipFill>
+          <a:blip r:embed="rId2">
+            <a:extLst>
+              <a:ext uri="{28A0092B-C50C-407E-A947-70E740481C1C}">
+                <a14:useLocalDpi xmlns:a14="http://schemas.microsoft.com/office/drawing/2010/main" val="0"/>
+              </a:ext>
+            </a:extLst>
+          </a:blip>
+          <a:stretch>
+            <a:fillRect/>
+          </a:stretch>
+        </p:blipFill>
+        <p:spPr>
+          <a:xfrm>
+            <a:off x="0" y="-4764"/>
+            <a:ext cx="12192000" cy="6858000"/>
+          </a:xfrm>
+          <a:prstGeom prst="rect">
+            <a:avLst/>
+          </a:prstGeom>
+        </p:spPr>
+      </p:pic>
+      <p:pic>
+        <p:nvPicPr>
+          <p:cNvPr id="3" name="Picture 2"/>
+          <p:cNvPicPr>
+            <a:picLocks noChangeAspect="1"/>
+          </p:cNvPicPr>
+          <p:nvPr/>
+        </p:nvPicPr>
+        <p:blipFill>
+          <a:blip r:embed="rId3">
+            <a:biLevel thresh="25000"/>
+          </a:blip>
+          <a:stretch>
+            <a:fillRect/>
+          </a:stretch>
+        </p:blipFill>
+        <p:spPr>
+          <a:xfrm>
+            <a:off x="2146300" y="5382457"/>
+            <a:ext cx="2974975" cy="1004054"/>
+          </a:xfrm>
+          <a:prstGeom prst="rect">
+            <a:avLst/>
+          </a:prstGeom>
+        </p:spPr>
+      </p:pic>
+      <p:pic>
+        <p:nvPicPr>
+          <p:cNvPr id="1028" name="Picture 4" descr="File:Google-flutter-logo.png - Wikimedia Commons"/>
+          <p:cNvPicPr>
+            <a:picLocks noChangeAspect="1" noChangeArrowheads="1"/>
+          </p:cNvPicPr>
+          <p:nvPr/>
+        </p:nvPicPr>
+        <p:blipFill>
+          <a:blip r:embed="rId4" cstate="print">
+            <a:extLst>
+              <a:ext uri="{28A0092B-C50C-407E-A947-70E740481C1C}">
+                <a14:useLocalDpi xmlns:a14="http://schemas.microsoft.com/office/drawing/2010/main" val="0"/>
+              </a:ext>
+            </a:extLst>
+          </a:blip>
+          <a:srcRect/>
+          <a:stretch>
+            <a:fillRect/>
+          </a:stretch>
+        </p:blipFill>
+        <p:spPr bwMode="auto">
+          <a:xfrm rot="21216814">
+            <a:off x="913621" y="2734715"/>
+            <a:ext cx="3616325" cy="1032151"/>
+          </a:xfrm>
+          <a:prstGeom prst="rect">
+            <a:avLst/>
+          </a:prstGeom>
+          <a:noFill/>
+          <a:extLst>
+            <a:ext uri="{909E8E84-426E-40DD-AFC4-6F175D3DCCD1}">
+              <a14:hiddenFill xmlns:a14="http://schemas.microsoft.com/office/drawing/2010/main">
+                <a:solidFill>
+                  <a:srgbClr val="FFFFFF"/>
+                </a:solidFill>
+              </a14:hiddenFill>
+            </a:ext>
+          </a:extLst>
+        </p:spPr>
+      </p:pic>
+      <p:pic>
+        <p:nvPicPr>
+          <p:cNvPr id="6" name="Picture 5"/>
+          <p:cNvPicPr>
+            <a:picLocks noChangeAspect="1"/>
+          </p:cNvPicPr>
+          <p:nvPr/>
+        </p:nvPicPr>
+        <p:blipFill>
+          <a:blip r:embed="rId5"/>
+          <a:stretch>
+            <a:fillRect/>
+          </a:stretch>
+        </p:blipFill>
+        <p:spPr>
+          <a:xfrm rot="284625">
+            <a:off x="5472227" y="2959320"/>
+            <a:ext cx="5716587" cy="929832"/>
+          </a:xfrm>
+          <a:prstGeom prst="rect">
+            <a:avLst/>
+          </a:prstGeom>
+        </p:spPr>
+      </p:pic>
+      <p:sp>
+        <p:nvSpPr>
+          <p:cNvPr id="9" name="TextBox 8"/>
+          <p:cNvSpPr txBox="1"/>
+          <p:nvPr/>
+        </p:nvSpPr>
+        <p:spPr>
+          <a:xfrm>
+            <a:off x="1308100" y="5678625"/>
+            <a:ext cx="502061" cy="707886"/>
+          </a:xfrm>
+          <a:prstGeom prst="rect">
+            <a:avLst/>
+          </a:prstGeom>
+          <a:noFill/>
+        </p:spPr>
+        <p:txBody>
+          <a:bodyPr wrap="none" rtlCol="0">
+            <a:spAutoFit/>
+          </a:bodyPr>
+          <a:lstStyle/>
+          <a:p>
+            <a:r>
+              <a:rPr lang="en-US" sz="4000" smtClean="0">
+                <a:solidFill>
+                  <a:schemeClr val="bg1"/>
+                </a:solidFill>
+              </a:rPr>
+              <a:t>is</a:t>
+            </a:r>
+            <a:endParaRPr lang="en-US" sz="4000">
+              <a:solidFill>
+                <a:schemeClr val="bg1"/>
+              </a:solidFill>
+            </a:endParaRPr>
+          </a:p>
+        </p:txBody>
+      </p:sp>
+      <p:sp>
+        <p:nvSpPr>
+          <p:cNvPr id="13" name="TextBox 12"/>
+          <p:cNvSpPr txBox="1"/>
+          <p:nvPr/>
+        </p:nvSpPr>
+        <p:spPr>
+          <a:xfrm>
+            <a:off x="5457414" y="5678625"/>
+            <a:ext cx="4618637" cy="707886"/>
+          </a:xfrm>
+          <a:prstGeom prst="rect">
+            <a:avLst/>
+          </a:prstGeom>
+          <a:noFill/>
+        </p:spPr>
+        <p:txBody>
+          <a:bodyPr wrap="none" rtlCol="0">
+            <a:spAutoFit/>
+          </a:bodyPr>
+          <a:lstStyle/>
+          <a:p>
+            <a:r>
+              <a:rPr lang="en-US" sz="4000" smtClean="0">
+                <a:solidFill>
+                  <a:schemeClr val="bg1"/>
+                </a:solidFill>
+              </a:rPr>
+              <a:t>being so underrated?</a:t>
+            </a:r>
+            <a:endParaRPr lang="en-US" sz="4000">
+              <a:solidFill>
+                <a:schemeClr val="bg1"/>
+              </a:solidFill>
+            </a:endParaRPr>
+          </a:p>
+        </p:txBody>
+      </p:sp>
+    </p:spTree>
+    <p:extLst>
+      <p:ext uri="{BB962C8B-B14F-4D97-AF65-F5344CB8AC3E}">
+        <p14:creationId xmlns:p14="http://schemas.microsoft.com/office/powerpoint/2010/main" val="1426000248"/>
+      </p:ext>
+    </p:extLst>
+  </p:cSld>
+  <p:clrMapOvr>
+    <a:masterClrMapping/>
+  </p:clrMapOvr>
+</p:sld>
+</file>
+
 <file path=ppt/theme/theme1.xml><?xml version="1.0" encoding="utf-8"?>
 <a:theme xmlns:a="http://schemas.openxmlformats.org/drawingml/2006/main" name="Office Theme">
   <a:themeElements>

--- a/Viblo.pptx
+++ b/Viblo.pptx
@@ -9,6 +9,7 @@
     <p:sldId id="257" r:id="rId3"/>
     <p:sldId id="258" r:id="rId4"/>
     <p:sldId id="259" r:id="rId5"/>
+    <p:sldId id="260" r:id="rId6"/>
   </p:sldIdLst>
   <p:sldSz cx="12192000" cy="6858000"/>
   <p:notesSz cx="6858000" cy="9144000"/>
@@ -4691,6 +4692,344 @@
 </p:sld>
 </file>
 
+<file path=ppt/slides/slide5.xml><?xml version="1.0" encoding="utf-8"?>
+<p:sld xmlns:a="http://schemas.openxmlformats.org/drawingml/2006/main" xmlns:r="http://schemas.openxmlformats.org/officeDocument/2006/relationships" xmlns:p="http://schemas.openxmlformats.org/presentationml/2006/main">
+  <p:cSld>
+    <p:spTree>
+      <p:nvGrpSpPr>
+        <p:cNvPr id="1" name=""/>
+        <p:cNvGrpSpPr/>
+        <p:nvPr/>
+      </p:nvGrpSpPr>
+      <p:grpSpPr>
+        <a:xfrm>
+          <a:off x="0" y="0"/>
+          <a:ext cx="0" cy="0"/>
+          <a:chOff x="0" y="0"/>
+          <a:chExt cx="0" cy="0"/>
+        </a:xfrm>
+      </p:grpSpPr>
+      <p:sp>
+        <p:nvSpPr>
+          <p:cNvPr id="10" name="Rectangle 9"/>
+          <p:cNvSpPr/>
+          <p:nvPr/>
+        </p:nvSpPr>
+        <p:spPr>
+          <a:xfrm>
+            <a:off x="5676900" y="1879600"/>
+            <a:ext cx="2006600" cy="2933700"/>
+          </a:xfrm>
+          <a:prstGeom prst="rect">
+            <a:avLst/>
+          </a:prstGeom>
+          <a:solidFill>
+            <a:schemeClr val="bg1"/>
+          </a:solidFill>
+          <a:ln>
+            <a:solidFill>
+              <a:schemeClr val="tx1"/>
+            </a:solidFill>
+            <a:prstDash val="solid"/>
+          </a:ln>
+        </p:spPr>
+        <p:style>
+          <a:lnRef idx="2">
+            <a:schemeClr val="accent1">
+              <a:shade val="50000"/>
+            </a:schemeClr>
+          </a:lnRef>
+          <a:fillRef idx="1">
+            <a:schemeClr val="accent1"/>
+          </a:fillRef>
+          <a:effectRef idx="0">
+            <a:schemeClr val="accent1"/>
+          </a:effectRef>
+          <a:fontRef idx="minor">
+            <a:schemeClr val="lt1"/>
+          </a:fontRef>
+        </p:style>
+        <p:txBody>
+          <a:bodyPr rtlCol="0" anchor="ctr"/>
+          <a:lstStyle/>
+          <a:p>
+            <a:pPr algn="ctr"/>
+            <a:endParaRPr lang="en-US" sz="2800">
+              <a:solidFill>
+                <a:schemeClr val="tx1"/>
+              </a:solidFill>
+            </a:endParaRPr>
+          </a:p>
+        </p:txBody>
+      </p:sp>
+      <p:sp>
+        <p:nvSpPr>
+          <p:cNvPr id="6" name="Rectangle 5"/>
+          <p:cNvSpPr/>
+          <p:nvPr/>
+        </p:nvSpPr>
+        <p:spPr>
+          <a:xfrm>
+            <a:off x="2501900" y="2273300"/>
+            <a:ext cx="1562100" cy="1905000"/>
+          </a:xfrm>
+          <a:prstGeom prst="rect">
+            <a:avLst/>
+          </a:prstGeom>
+          <a:solidFill>
+            <a:schemeClr val="accent1">
+              <a:lumMod val="20000"/>
+              <a:lumOff val="80000"/>
+            </a:schemeClr>
+          </a:solidFill>
+          <a:ln/>
+        </p:spPr>
+        <p:style>
+          <a:lnRef idx="2">
+            <a:schemeClr val="accent1"/>
+          </a:lnRef>
+          <a:fillRef idx="1">
+            <a:schemeClr val="lt1"/>
+          </a:fillRef>
+          <a:effectRef idx="0">
+            <a:schemeClr val="accent1"/>
+          </a:effectRef>
+          <a:fontRef idx="minor">
+            <a:schemeClr val="dk1"/>
+          </a:fontRef>
+        </p:style>
+        <p:txBody>
+          <a:bodyPr rtlCol="0" anchor="ctr"/>
+          <a:lstStyle/>
+          <a:p>
+            <a:pPr algn="ctr"/>
+            <a:r>
+              <a:rPr lang="en-US" sz="2400" smtClean="0">
+                <a:solidFill>
+                  <a:schemeClr val="tx1"/>
+                </a:solidFill>
+              </a:rPr>
+              <a:t>HTML</a:t>
+            </a:r>
+          </a:p>
+          <a:p>
+            <a:pPr algn="ctr"/>
+            <a:r>
+              <a:rPr lang="en-US" sz="2400" smtClean="0">
+                <a:solidFill>
+                  <a:schemeClr val="tx1"/>
+                </a:solidFill>
+              </a:rPr>
+              <a:t>CSS</a:t>
+            </a:r>
+          </a:p>
+          <a:p>
+            <a:pPr algn="ctr"/>
+            <a:r>
+              <a:rPr lang="en-US" sz="2400" smtClean="0">
+                <a:solidFill>
+                  <a:schemeClr val="tx1"/>
+                </a:solidFill>
+              </a:rPr>
+              <a:t>JS</a:t>
+            </a:r>
+            <a:endParaRPr lang="en-US" sz="2400">
+              <a:solidFill>
+                <a:schemeClr val="tx1"/>
+              </a:solidFill>
+            </a:endParaRPr>
+          </a:p>
+        </p:txBody>
+      </p:sp>
+      <p:sp>
+        <p:nvSpPr>
+          <p:cNvPr id="7" name="TextBox 6"/>
+          <p:cNvSpPr txBox="1"/>
+          <p:nvPr/>
+        </p:nvSpPr>
+        <p:spPr>
+          <a:xfrm>
+            <a:off x="2638254" y="4178300"/>
+            <a:ext cx="1289392" cy="461665"/>
+          </a:xfrm>
+          <a:prstGeom prst="rect">
+            <a:avLst/>
+          </a:prstGeom>
+          <a:noFill/>
+        </p:spPr>
+        <p:txBody>
+          <a:bodyPr wrap="none" rtlCol="0">
+            <a:spAutoFit/>
+          </a:bodyPr>
+          <a:lstStyle/>
+          <a:p>
+            <a:r>
+              <a:rPr lang="en-US" sz="2400" smtClean="0"/>
+              <a:t>WebApp</a:t>
+            </a:r>
+            <a:endParaRPr lang="en-US" sz="2400"/>
+          </a:p>
+        </p:txBody>
+      </p:sp>
+      <p:sp>
+        <p:nvSpPr>
+          <p:cNvPr id="8" name="Rectangle 7"/>
+          <p:cNvSpPr/>
+          <p:nvPr/>
+        </p:nvSpPr>
+        <p:spPr>
+          <a:xfrm>
+            <a:off x="5905500" y="2273300"/>
+            <a:ext cx="1562100" cy="1905000"/>
+          </a:xfrm>
+          <a:prstGeom prst="rect">
+            <a:avLst/>
+          </a:prstGeom>
+          <a:solidFill>
+            <a:schemeClr val="bg1"/>
+          </a:solidFill>
+          <a:ln>
+            <a:solidFill>
+              <a:schemeClr val="tx1"/>
+            </a:solidFill>
+            <a:prstDash val="dash"/>
+          </a:ln>
+        </p:spPr>
+        <p:style>
+          <a:lnRef idx="2">
+            <a:schemeClr val="accent1">
+              <a:shade val="50000"/>
+            </a:schemeClr>
+          </a:lnRef>
+          <a:fillRef idx="1">
+            <a:schemeClr val="accent1"/>
+          </a:fillRef>
+          <a:effectRef idx="0">
+            <a:schemeClr val="accent1"/>
+          </a:effectRef>
+          <a:fontRef idx="minor">
+            <a:schemeClr val="lt1"/>
+          </a:fontRef>
+        </p:style>
+        <p:txBody>
+          <a:bodyPr rtlCol="0" anchor="ctr"/>
+          <a:lstStyle/>
+          <a:p>
+            <a:pPr algn="ctr"/>
+            <a:endParaRPr lang="en-US" sz="2800">
+              <a:solidFill>
+                <a:schemeClr val="tx1"/>
+              </a:solidFill>
+            </a:endParaRPr>
+          </a:p>
+        </p:txBody>
+      </p:sp>
+      <p:sp>
+        <p:nvSpPr>
+          <p:cNvPr id="9" name="TextBox 8"/>
+          <p:cNvSpPr txBox="1"/>
+          <p:nvPr/>
+        </p:nvSpPr>
+        <p:spPr>
+          <a:xfrm>
+            <a:off x="6096196" y="4178300"/>
+            <a:ext cx="1180708" cy="400110"/>
+          </a:xfrm>
+          <a:prstGeom prst="rect">
+            <a:avLst/>
+          </a:prstGeom>
+          <a:noFill/>
+        </p:spPr>
+        <p:txBody>
+          <a:bodyPr wrap="none" rtlCol="0">
+            <a:spAutoFit/>
+          </a:bodyPr>
+          <a:lstStyle/>
+          <a:p>
+            <a:r>
+              <a:rPr lang="en-US" sz="2000" smtClean="0"/>
+              <a:t>WebView</a:t>
+            </a:r>
+            <a:endParaRPr lang="en-US" sz="2000"/>
+          </a:p>
+        </p:txBody>
+      </p:sp>
+      <p:sp>
+        <p:nvSpPr>
+          <p:cNvPr id="11" name="TextBox 10"/>
+          <p:cNvSpPr txBox="1"/>
+          <p:nvPr/>
+        </p:nvSpPr>
+        <p:spPr>
+          <a:xfrm>
+            <a:off x="5759255" y="4806890"/>
+            <a:ext cx="1924245" cy="400110"/>
+          </a:xfrm>
+          <a:prstGeom prst="rect">
+            <a:avLst/>
+          </a:prstGeom>
+          <a:noFill/>
+        </p:spPr>
+        <p:txBody>
+          <a:bodyPr wrap="none" rtlCol="0">
+            <a:spAutoFit/>
+          </a:bodyPr>
+          <a:lstStyle/>
+          <a:p>
+            <a:r>
+              <a:rPr lang="en-US" sz="2000" smtClean="0"/>
+              <a:t>Ionic Application</a:t>
+            </a:r>
+            <a:endParaRPr lang="en-US" sz="2000"/>
+          </a:p>
+        </p:txBody>
+      </p:sp>
+      <p:cxnSp>
+        <p:nvCxnSpPr>
+          <p:cNvPr id="13" name="Straight Arrow Connector 12"/>
+          <p:cNvCxnSpPr/>
+          <p:nvPr/>
+        </p:nvCxnSpPr>
+        <p:spPr>
+          <a:xfrm>
+            <a:off x="3822700" y="3225800"/>
+            <a:ext cx="2616200" cy="0"/>
+          </a:xfrm>
+          <a:prstGeom prst="straightConnector1">
+            <a:avLst/>
+          </a:prstGeom>
+          <a:ln w="38100">
+            <a:tailEnd type="triangle"/>
+          </a:ln>
+        </p:spPr>
+        <p:style>
+          <a:lnRef idx="1">
+            <a:schemeClr val="dk1"/>
+          </a:lnRef>
+          <a:fillRef idx="0">
+            <a:schemeClr val="dk1"/>
+          </a:fillRef>
+          <a:effectRef idx="0">
+            <a:schemeClr val="dk1"/>
+          </a:effectRef>
+          <a:fontRef idx="minor">
+            <a:schemeClr val="tx1"/>
+          </a:fontRef>
+        </p:style>
+      </p:cxnSp>
+    </p:spTree>
+    <p:extLst>
+      <p:ext uri="{BB962C8B-B14F-4D97-AF65-F5344CB8AC3E}">
+        <p14:creationId xmlns:p14="http://schemas.microsoft.com/office/powerpoint/2010/main" val="704010266"/>
+      </p:ext>
+    </p:extLst>
+  </p:cSld>
+  <p:clrMapOvr>
+    <a:masterClrMapping/>
+  </p:clrMapOvr>
+</p:sld>
+</file>
+
 <file path=ppt/theme/theme1.xml><?xml version="1.0" encoding="utf-8"?>
 <a:theme xmlns:a="http://schemas.openxmlformats.org/drawingml/2006/main" name="Office Theme">
   <a:themeElements>
